--- a/slides/WSTA_L6_probabilistic_grammars.pptx
+++ b/slides/WSTA_L6_probabilistic_grammars.pptx
@@ -22620,19 +22620,19 @@
             </a:r>
           </a:p>
           <a:p>
-            <a:endParaRPr lang="en-AU" dirty="0"/>
+            <a:endParaRPr lang="en-AU" dirty="0" smtClean="0"/>
           </a:p>
           <a:p>
             <a:endParaRPr lang="en-AU" dirty="0" smtClean="0"/>
           </a:p>
           <a:p>
-            <a:endParaRPr lang="en-AU" dirty="0"/>
+            <a:endParaRPr lang="en-AU" dirty="0" smtClean="0"/>
           </a:p>
           <a:p>
             <a:endParaRPr lang="en-AU" dirty="0" smtClean="0"/>
           </a:p>
           <a:p>
-            <a:endParaRPr lang="en-AU" dirty="0"/>
+            <a:endParaRPr lang="en-AU" dirty="0" smtClean="0"/>
           </a:p>
           <a:p>
             <a:endParaRPr lang="en-AU" dirty="0" smtClean="0"/>
@@ -22640,50 +22640,50 @@
           <a:p>
             <a:r>
               <a:rPr lang="en-AU" dirty="0" smtClean="0"/>
-              <a:t>P = 2.2 × 10</a:t>
+              <a:t>P =</a:t>
+            </a:r>
+            <a:r>
+              <a:rPr lang="en-AU" strike="sngStrike" dirty="0" smtClean="0">
+                <a:solidFill>
+                  <a:srgbClr val="FF0000"/>
+                </a:solidFill>
+              </a:rPr>
+              <a:t> 2.2</a:t>
+            </a:r>
+            <a:r>
+              <a:rPr lang="en-AU" dirty="0" smtClean="0"/>
+              <a:t> × 10</a:t>
             </a:r>
             <a:r>
               <a:rPr lang="en-AU" baseline="30000" dirty="0" smtClean="0"/>
-              <a:t>-6							</a:t>
+              <a:t>-6				</a:t>
             </a:r>
             <a:r>
               <a:rPr lang="en-AU" dirty="0" smtClean="0"/>
-              <a:t>P </a:t>
-            </a:r>
-            <a:r>
-              <a:rPr lang="en-AU" dirty="0"/>
-              <a:t>= </a:t>
+              <a:t>P = </a:t>
+            </a:r>
+            <a:r>
+              <a:rPr lang="en-AU" strike="sngStrike" dirty="0" smtClean="0">
+                <a:solidFill>
+                  <a:srgbClr val="FF0000"/>
+                </a:solidFill>
+              </a:rPr>
+              <a:t>6.1</a:t>
             </a:r>
             <a:r>
               <a:rPr lang="en-AU" dirty="0" smtClean="0"/>
-              <a:t>6.1 </a:t>
-            </a:r>
-            <a:r>
-              <a:rPr lang="en-AU" dirty="0"/>
-              <a:t>× </a:t>
-            </a:r>
-            <a:r>
-              <a:rPr lang="en-AU" dirty="0" smtClean="0"/>
-              <a:t>10</a:t>
+              <a:t> × 10</a:t>
             </a:r>
             <a:r>
               <a:rPr lang="en-AU" baseline="30000" dirty="0" smtClean="0"/>
               <a:t>-7</a:t>
             </a:r>
-            <a:endParaRPr lang="en-AU" dirty="0"/>
+            <a:endParaRPr lang="en-AU" dirty="0" smtClean="0"/>
           </a:p>
           <a:p>
             <a:r>
               <a:rPr lang="en-AU" dirty="0" smtClean="0"/>
-              <a:t>Note that some structures are the same (S </a:t>
-            </a:r>
-            <a:r>
-              <a:rPr lang="en-AU" dirty="0"/>
-              <a:t>→ </a:t>
-            </a:r>
-            <a:r>
-              <a:rPr lang="en-AU" dirty="0" smtClean="0"/>
-              <a:t>VP, Verb → </a:t>
+              <a:t>Note that some structures are the same (S → VP, Verb → </a:t>
             </a:r>
             <a:r>
               <a:rPr lang="en-AU" i="1" dirty="0" smtClean="0"/>
@@ -22740,7 +22740,7 @@
       </p:sp>
       <p:pic>
         <p:nvPicPr>
-          <p:cNvPr id="7" name="Picture 6"/>
+          <p:cNvPr id="8" name="Picture 7"/>
           <p:cNvPicPr>
             <a:picLocks noChangeAspect="1"/>
           </p:cNvPicPr>
@@ -22754,8 +22754,8 @@
         </p:blipFill>
         <p:spPr>
           <a:xfrm>
-            <a:off x="6718424" y="2572544"/>
-            <a:ext cx="3384376" cy="3747854"/>
+            <a:off x="1844506" y="2284512"/>
+            <a:ext cx="3600400" cy="5424818"/>
           </a:xfrm>
           <a:prstGeom prst="rect">
             <a:avLst/>
@@ -22764,7 +22764,7 @@
       </p:pic>
       <p:pic>
         <p:nvPicPr>
-          <p:cNvPr id="8" name="Picture 7"/>
+          <p:cNvPr id="4" name="Picture 3"/>
           <p:cNvPicPr>
             <a:picLocks noChangeAspect="1"/>
           </p:cNvPicPr>
@@ -22778,14 +22778,273 @@
         </p:blipFill>
         <p:spPr>
           <a:xfrm>
-            <a:off x="2037904" y="2284512"/>
-            <a:ext cx="3600400" cy="5424818"/>
+            <a:off x="6362700" y="2428528"/>
+            <a:ext cx="4568680" cy="5280802"/>
           </a:xfrm>
           <a:prstGeom prst="rect">
             <a:avLst/>
           </a:prstGeom>
         </p:spPr>
       </p:pic>
+      <p:sp>
+        <p:nvSpPr>
+          <p:cNvPr id="5" name="Rectangle 4"/>
+          <p:cNvSpPr/>
+          <p:nvPr/>
+        </p:nvSpPr>
+        <p:spPr>
+          <a:xfrm>
+            <a:off x="1502105" y="6821016"/>
+            <a:ext cx="684803" cy="523220"/>
+          </a:xfrm>
+          <a:prstGeom prst="rect">
+            <a:avLst/>
+          </a:prstGeom>
+        </p:spPr>
+        <p:txBody>
+          <a:bodyPr wrap="none">
+            <a:spAutoFit/>
+          </a:bodyPr>
+          <a:lstStyle/>
+          <a:p>
+            <a:r>
+              <a:rPr lang="en-AU" sz="2800" i="1" smtClean="0">
+                <a:solidFill>
+                  <a:schemeClr val="bg1"/>
+                </a:solidFill>
+                <a:latin typeface="Century Schoolbook" charset="0"/>
+                <a:ea typeface="Century Schoolbook" charset="0"/>
+                <a:cs typeface="Century Schoolbook" charset="0"/>
+              </a:rPr>
+              <a:t>1.6</a:t>
+            </a:r>
+            <a:endParaRPr lang="en-AU" sz="2800" i="1" dirty="0">
+              <a:solidFill>
+                <a:schemeClr val="bg1"/>
+              </a:solidFill>
+              <a:latin typeface="Century Schoolbook" charset="0"/>
+              <a:ea typeface="Century Schoolbook" charset="0"/>
+              <a:cs typeface="Century Schoolbook" charset="0"/>
+            </a:endParaRPr>
+          </a:p>
+        </p:txBody>
+      </p:sp>
+      <p:sp>
+        <p:nvSpPr>
+          <p:cNvPr id="9" name="Rectangle 8"/>
+          <p:cNvSpPr/>
+          <p:nvPr/>
+        </p:nvSpPr>
+        <p:spPr>
+          <a:xfrm>
+            <a:off x="6365531" y="6836498"/>
+            <a:ext cx="684803" cy="523220"/>
+          </a:xfrm>
+          <a:prstGeom prst="rect">
+            <a:avLst/>
+          </a:prstGeom>
+        </p:spPr>
+        <p:txBody>
+          <a:bodyPr wrap="none">
+            <a:spAutoFit/>
+          </a:bodyPr>
+          <a:lstStyle/>
+          <a:p>
+            <a:r>
+              <a:rPr lang="en-AU" sz="2800" i="1" smtClean="0">
+                <a:solidFill>
+                  <a:schemeClr val="bg1"/>
+                </a:solidFill>
+                <a:latin typeface="Century Schoolbook" charset="0"/>
+                <a:ea typeface="Century Schoolbook" charset="0"/>
+                <a:cs typeface="Century Schoolbook" charset="0"/>
+              </a:rPr>
+              <a:t>2.3</a:t>
+            </a:r>
+            <a:endParaRPr lang="en-AU" sz="2800" i="1" dirty="0">
+              <a:solidFill>
+                <a:schemeClr val="bg1"/>
+              </a:solidFill>
+              <a:latin typeface="Century Schoolbook" charset="0"/>
+              <a:ea typeface="Century Schoolbook" charset="0"/>
+              <a:cs typeface="Century Schoolbook" charset="0"/>
+            </a:endParaRPr>
+          </a:p>
+        </p:txBody>
+      </p:sp>
+      <p:sp>
+        <p:nvSpPr>
+          <p:cNvPr id="10" name="TextBox 9"/>
+          <p:cNvSpPr txBox="1"/>
+          <p:nvPr/>
+        </p:nvSpPr>
+        <p:spPr>
+          <a:xfrm>
+            <a:off x="206893" y="5487318"/>
+            <a:ext cx="2119043" cy="1333698"/>
+          </a:xfrm>
+          <a:prstGeom prst="rect">
+            <a:avLst/>
+          </a:prstGeom>
+          <a:ln/>
+        </p:spPr>
+        <p:style>
+          <a:lnRef idx="2">
+            <a:schemeClr val="accent5">
+              <a:shade val="50000"/>
+            </a:schemeClr>
+          </a:lnRef>
+          <a:fillRef idx="1">
+            <a:schemeClr val="accent5"/>
+          </a:fillRef>
+          <a:effectRef idx="0">
+            <a:schemeClr val="accent5"/>
+          </a:effectRef>
+          <a:fontRef idx="minor">
+            <a:schemeClr val="lt1"/>
+          </a:fontRef>
+        </p:style>
+        <p:txBody>
+          <a:bodyPr rot="0" spcFirstLastPara="1" vertOverflow="overflow" horzOverflow="overflow" vert="horz" wrap="square" lIns="50800" tIns="50800" rIns="50800" bIns="50800" numCol="1" spcCol="38100" rtlCol="0" anchor="ctr">
+            <a:spAutoFit/>
+          </a:bodyPr>
+          <a:lstStyle/>
+          <a:p>
+            <a:pPr marL="0" marR="0" indent="0" algn="ctr" defTabSz="584200" rtl="0" fontAlgn="auto" latinLnBrk="0" hangingPunct="0">
+              <a:lnSpc>
+                <a:spcPct val="100000"/>
+              </a:lnSpc>
+              <a:spcBef>
+                <a:spcPts val="0"/>
+              </a:spcBef>
+              <a:spcAft>
+                <a:spcPts val="0"/>
+              </a:spcAft>
+              <a:buClrTx/>
+              <a:buSzTx/>
+              <a:buFontTx/>
+              <a:buNone/>
+              <a:tabLst/>
+            </a:pPr>
+            <a:r>
+              <a:rPr kumimoji="0" lang="en-AU" sz="2000" b="0" i="0" u="none" strike="noStrike" cap="none" spc="0" normalizeH="0" baseline="0" dirty="0" smtClean="0">
+                <a:ln>
+                  <a:noFill/>
+                </a:ln>
+                <a:solidFill>
+                  <a:srgbClr val="FFFFFF"/>
+                </a:solidFill>
+                <a:effectLst/>
+                <a:uFillTx/>
+                <a:latin typeface="Avenir Next Medium"/>
+                <a:ea typeface="Avenir Next Medium"/>
+                <a:cs typeface="Avenir Next Medium"/>
+                <a:sym typeface="Avenir Next Medium"/>
+              </a:rPr>
+              <a:t>Mistakes in JM2</a:t>
+            </a:r>
+            <a:r>
+              <a:rPr kumimoji="0" lang="en-AU" sz="2000" b="0" i="0" u="none" strike="noStrike" cap="none" spc="0" normalizeH="0" dirty="0" smtClean="0">
+                <a:ln>
+                  <a:noFill/>
+                </a:ln>
+                <a:solidFill>
+                  <a:srgbClr val="FFFFFF"/>
+                </a:solidFill>
+                <a:effectLst/>
+                <a:uFillTx/>
+                <a:latin typeface="Avenir Next Medium"/>
+                <a:ea typeface="Avenir Next Medium"/>
+                <a:cs typeface="Avenir Next Medium"/>
+                <a:sym typeface="Avenir Next Medium"/>
+              </a:rPr>
+              <a:t> (regarding </a:t>
+            </a:r>
+            <a:r>
+              <a:rPr kumimoji="0" lang="en-AU" sz="2000" b="0" i="1" u="none" strike="noStrike" cap="none" spc="0" normalizeH="0" dirty="0" smtClean="0">
+                <a:ln>
+                  <a:noFill/>
+                </a:ln>
+                <a:solidFill>
+                  <a:srgbClr val="FFFFFF"/>
+                </a:solidFill>
+                <a:effectLst/>
+                <a:uFillTx/>
+                <a:latin typeface="Avenir Next Medium"/>
+                <a:ea typeface="Avenir Next Medium"/>
+                <a:cs typeface="Avenir Next Medium"/>
+                <a:sym typeface="Avenir Next Medium"/>
+              </a:rPr>
+              <a:t>flight</a:t>
+            </a:r>
+            <a:r>
+              <a:rPr kumimoji="0" lang="en-AU" sz="2000" b="0" i="0" u="none" strike="noStrike" cap="none" spc="0" normalizeH="0" dirty="0" smtClean="0">
+                <a:ln>
+                  <a:noFill/>
+                </a:ln>
+                <a:solidFill>
+                  <a:srgbClr val="FFFFFF"/>
+                </a:solidFill>
+                <a:effectLst/>
+                <a:uFillTx/>
+                <a:latin typeface="Avenir Next Medium"/>
+                <a:ea typeface="Avenir Next Medium"/>
+                <a:cs typeface="Avenir Next Medium"/>
+                <a:sym typeface="Avenir Next Medium"/>
+              </a:rPr>
+              <a:t> vs </a:t>
+            </a:r>
+            <a:r>
+              <a:rPr kumimoji="0" lang="en-AU" sz="2000" b="0" i="1" u="none" strike="noStrike" cap="none" spc="0" normalizeH="0" dirty="0" smtClean="0">
+                <a:ln>
+                  <a:noFill/>
+                </a:ln>
+                <a:solidFill>
+                  <a:srgbClr val="FFFFFF"/>
+                </a:solidFill>
+                <a:effectLst/>
+                <a:uFillTx/>
+                <a:latin typeface="Avenir Next Medium"/>
+                <a:ea typeface="Avenir Next Medium"/>
+                <a:cs typeface="Avenir Next Medium"/>
+                <a:sym typeface="Avenir Next Medium"/>
+              </a:rPr>
+              <a:t>flights</a:t>
+            </a:r>
+            <a:r>
+              <a:rPr kumimoji="0" lang="en-AU" sz="2000" b="0" i="0" u="none" strike="noStrike" cap="none" spc="0" normalizeH="0" dirty="0" smtClean="0">
+                <a:ln>
+                  <a:noFill/>
+                </a:ln>
+                <a:solidFill>
+                  <a:srgbClr val="FFFFFF"/>
+                </a:solidFill>
+                <a:effectLst/>
+                <a:uFillTx/>
+                <a:latin typeface="Avenir Next Medium"/>
+                <a:ea typeface="Avenir Next Medium"/>
+                <a:cs typeface="Avenir Next Medium"/>
+                <a:sym typeface="Avenir Next Medium"/>
+              </a:rPr>
+              <a:t>, and VP → Verb NP NP)</a:t>
+            </a:r>
+            <a:endParaRPr kumimoji="0" lang="en-AU" sz="2000" b="0" i="0" u="none" strike="noStrike" cap="none" spc="0" normalizeH="0" baseline="0" dirty="0">
+              <a:ln>
+                <a:noFill/>
+              </a:ln>
+              <a:solidFill>
+                <a:srgbClr val="FFFFFF"/>
+              </a:solidFill>
+              <a:effectLst/>
+              <a:uFillTx/>
+              <a:latin typeface="Avenir Next Medium"/>
+              <a:ea typeface="Avenir Next Medium"/>
+              <a:cs typeface="Avenir Next Medium"/>
+              <a:sym typeface="Avenir Next Medium"/>
+            </a:endParaRPr>
+          </a:p>
+        </p:txBody>
+      </p:sp>
     </p:spTree>
     <p:extLst>
       <p:ext uri="{BB962C8B-B14F-4D97-AF65-F5344CB8AC3E}">
